--- a/documents/Presentation.pptx
+++ b/documents/Presentation.pptx
@@ -4155,11 +4155,14 @@
           <a:lstStyle/>
           <a:p>
             <a:r>
-              <a:rPr lang="en-US" sz="6600" dirty="0">
+              <a:rPr lang="en-US" sz="6600">
                 <a:latin typeface="Arial Nova"/>
               </a:rPr>
-              <a:t>Smart Money</a:t>
-            </a:r>
+              <a:t>SmartMoney</a:t>
+            </a:r>
+            <a:endParaRPr lang="en-US" sz="6600" dirty="0">
+              <a:latin typeface="Arial Nova"/>
+            </a:endParaRPr>
           </a:p>
         </p:txBody>
       </p:sp>

--- a/documents/Presentation.pptx
+++ b/documents/Presentation.pptx
@@ -439,7 +439,7 @@
           <a:p>
             <a:fld id="{1E351CED-465B-40B5-ADCE-957C918F227B}" type="datetimeFigureOut">
               <a:rPr lang="en-US" smtClean="0"/>
-              <a:t>9/12/2023</a:t>
+              <a:t>9/13/2023</a:t>
             </a:fld>
             <a:endParaRPr lang="en-US"/>
           </a:p>
@@ -647,7 +647,7 @@
           <a:p>
             <a:fld id="{1E351CED-465B-40B5-ADCE-957C918F227B}" type="datetimeFigureOut">
               <a:rPr lang="en-US" smtClean="0"/>
-              <a:t>9/12/2023</a:t>
+              <a:t>9/13/2023</a:t>
             </a:fld>
             <a:endParaRPr lang="en-US"/>
           </a:p>
@@ -857,7 +857,7 @@
           <a:p>
             <a:fld id="{1E351CED-465B-40B5-ADCE-957C918F227B}" type="datetimeFigureOut">
               <a:rPr lang="en-US" smtClean="0"/>
-              <a:t>9/12/2023</a:t>
+              <a:t>9/13/2023</a:t>
             </a:fld>
             <a:endParaRPr lang="en-US"/>
           </a:p>
@@ -1057,7 +1057,7 @@
           <a:p>
             <a:fld id="{1E351CED-465B-40B5-ADCE-957C918F227B}" type="datetimeFigureOut">
               <a:rPr lang="en-US" smtClean="0"/>
-              <a:t>9/12/2023</a:t>
+              <a:t>9/13/2023</a:t>
             </a:fld>
             <a:endParaRPr lang="en-US"/>
           </a:p>
@@ -1635,7 +1635,7 @@
           <a:p>
             <a:fld id="{1E351CED-465B-40B5-ADCE-957C918F227B}" type="datetimeFigureOut">
               <a:rPr lang="en-US" smtClean="0"/>
-              <a:t>9/12/2023</a:t>
+              <a:t>9/13/2023</a:t>
             </a:fld>
             <a:endParaRPr lang="en-US"/>
           </a:p>
@@ -1908,7 +1908,7 @@
           <a:p>
             <a:fld id="{1E351CED-465B-40B5-ADCE-957C918F227B}" type="datetimeFigureOut">
               <a:rPr lang="en-US" smtClean="0"/>
-              <a:t>9/12/2023</a:t>
+              <a:t>9/13/2023</a:t>
             </a:fld>
             <a:endParaRPr lang="en-US"/>
           </a:p>
@@ -2325,7 +2325,7 @@
           <a:p>
             <a:fld id="{1E351CED-465B-40B5-ADCE-957C918F227B}" type="datetimeFigureOut">
               <a:rPr lang="en-US" smtClean="0"/>
-              <a:t>9/12/2023</a:t>
+              <a:t>9/13/2023</a:t>
             </a:fld>
             <a:endParaRPr lang="en-US"/>
           </a:p>
@@ -2472,7 +2472,7 @@
           <a:p>
             <a:fld id="{1E351CED-465B-40B5-ADCE-957C918F227B}" type="datetimeFigureOut">
               <a:rPr lang="en-US" smtClean="0"/>
-              <a:t>9/12/2023</a:t>
+              <a:t>9/13/2023</a:t>
             </a:fld>
             <a:endParaRPr lang="en-US"/>
           </a:p>
@@ -2585,7 +2585,7 @@
           <a:p>
             <a:fld id="{1E351CED-465B-40B5-ADCE-957C918F227B}" type="datetimeFigureOut">
               <a:rPr lang="en-US" smtClean="0"/>
-              <a:t>9/12/2023</a:t>
+              <a:t>9/13/2023</a:t>
             </a:fld>
             <a:endParaRPr lang="en-US"/>
           </a:p>
@@ -2900,7 +2900,7 @@
           <a:p>
             <a:fld id="{1E351CED-465B-40B5-ADCE-957C918F227B}" type="datetimeFigureOut">
               <a:rPr lang="en-US" smtClean="0"/>
-              <a:t>9/12/2023</a:t>
+              <a:t>9/13/2023</a:t>
             </a:fld>
             <a:endParaRPr lang="en-US"/>
           </a:p>
@@ -3194,7 +3194,7 @@
           <a:p>
             <a:fld id="{1E351CED-465B-40B5-ADCE-957C918F227B}" type="datetimeFigureOut">
               <a:rPr lang="en-US" smtClean="0"/>
-              <a:t>9/12/2023</a:t>
+              <a:t>9/13/2023</a:t>
             </a:fld>
             <a:endParaRPr lang="en-US"/>
           </a:p>
@@ -3435,7 +3435,7 @@
           <a:p>
             <a:fld id="{1E351CED-465B-40B5-ADCE-957C918F227B}" type="datetimeFigureOut">
               <a:rPr lang="en-US" smtClean="0"/>
-              <a:t>9/12/2023</a:t>
+              <a:t>9/13/2023</a:t>
             </a:fld>
             <a:endParaRPr lang="en-US"/>
           </a:p>
@@ -4158,11 +4158,26 @@
               <a:rPr lang="en-US" sz="6600">
                 <a:latin typeface="Arial Nova"/>
               </a:rPr>
-              <a:t>SmartMoney</a:t>
-            </a:r>
-            <a:endParaRPr lang="en-US" sz="6600" dirty="0">
-              <a:latin typeface="Arial Nova"/>
-            </a:endParaRPr>
+              <a:t>MYB(Manage Your </a:t>
+            </a:r>
+            <a:r>
+              <a:rPr lang="en-US" sz="6600" dirty="0">
+                <a:latin typeface="Arial Nova"/>
+              </a:rPr>
+              <a:t>B</a:t>
+            </a:r>
+            <a:r>
+              <a:rPr lang="en-US" sz="6600">
+                <a:latin typeface="Arial Nova"/>
+              </a:rPr>
+              <a:t>udget</a:t>
+            </a:r>
+            <a:r>
+              <a:rPr lang="en-US" sz="6600" dirty="0">
+                <a:latin typeface="Arial Nova"/>
+              </a:rPr>
+              <a:t>)</a:t>
+            </a:r>
           </a:p>
         </p:txBody>
       </p:sp>

--- a/documents/Presentation.pptx
+++ b/documents/Presentation.pptx
@@ -11,7 +11,10 @@
     <p:sldId id="259" r:id="rId5"/>
     <p:sldId id="260" r:id="rId6"/>
     <p:sldId id="261" r:id="rId7"/>
-    <p:sldId id="262" r:id="rId8"/>
+    <p:sldId id="263" r:id="rId8"/>
+    <p:sldId id="264" r:id="rId9"/>
+    <p:sldId id="265" r:id="rId10"/>
+    <p:sldId id="262" r:id="rId11"/>
   </p:sldIdLst>
   <p:sldSz cx="12192000" cy="6858000"/>
   <p:notesSz cx="6858000" cy="9144000"/>
@@ -439,7 +442,7 @@
           <a:p>
             <a:fld id="{1E351CED-465B-40B5-ADCE-957C918F227B}" type="datetimeFigureOut">
               <a:rPr lang="en-US" smtClean="0"/>
-              <a:t>9/13/2023</a:t>
+              <a:t>9/14/2023</a:t>
             </a:fld>
             <a:endParaRPr lang="en-US"/>
           </a:p>
@@ -647,7 +650,7 @@
           <a:p>
             <a:fld id="{1E351CED-465B-40B5-ADCE-957C918F227B}" type="datetimeFigureOut">
               <a:rPr lang="en-US" smtClean="0"/>
-              <a:t>9/13/2023</a:t>
+              <a:t>9/14/2023</a:t>
             </a:fld>
             <a:endParaRPr lang="en-US"/>
           </a:p>
@@ -857,7 +860,7 @@
           <a:p>
             <a:fld id="{1E351CED-465B-40B5-ADCE-957C918F227B}" type="datetimeFigureOut">
               <a:rPr lang="en-US" smtClean="0"/>
-              <a:t>9/13/2023</a:t>
+              <a:t>9/14/2023</a:t>
             </a:fld>
             <a:endParaRPr lang="en-US"/>
           </a:p>
@@ -1057,7 +1060,7 @@
           <a:p>
             <a:fld id="{1E351CED-465B-40B5-ADCE-957C918F227B}" type="datetimeFigureOut">
               <a:rPr lang="en-US" smtClean="0"/>
-              <a:t>9/13/2023</a:t>
+              <a:t>9/14/2023</a:t>
             </a:fld>
             <a:endParaRPr lang="en-US"/>
           </a:p>
@@ -1635,7 +1638,7 @@
           <a:p>
             <a:fld id="{1E351CED-465B-40B5-ADCE-957C918F227B}" type="datetimeFigureOut">
               <a:rPr lang="en-US" smtClean="0"/>
-              <a:t>9/13/2023</a:t>
+              <a:t>9/14/2023</a:t>
             </a:fld>
             <a:endParaRPr lang="en-US"/>
           </a:p>
@@ -1908,7 +1911,7 @@
           <a:p>
             <a:fld id="{1E351CED-465B-40B5-ADCE-957C918F227B}" type="datetimeFigureOut">
               <a:rPr lang="en-US" smtClean="0"/>
-              <a:t>9/13/2023</a:t>
+              <a:t>9/14/2023</a:t>
             </a:fld>
             <a:endParaRPr lang="en-US"/>
           </a:p>
@@ -2325,7 +2328,7 @@
           <a:p>
             <a:fld id="{1E351CED-465B-40B5-ADCE-957C918F227B}" type="datetimeFigureOut">
               <a:rPr lang="en-US" smtClean="0"/>
-              <a:t>9/13/2023</a:t>
+              <a:t>9/14/2023</a:t>
             </a:fld>
             <a:endParaRPr lang="en-US"/>
           </a:p>
@@ -2472,7 +2475,7 @@
           <a:p>
             <a:fld id="{1E351CED-465B-40B5-ADCE-957C918F227B}" type="datetimeFigureOut">
               <a:rPr lang="en-US" smtClean="0"/>
-              <a:t>9/13/2023</a:t>
+              <a:t>9/14/2023</a:t>
             </a:fld>
             <a:endParaRPr lang="en-US"/>
           </a:p>
@@ -2585,7 +2588,7 @@
           <a:p>
             <a:fld id="{1E351CED-465B-40B5-ADCE-957C918F227B}" type="datetimeFigureOut">
               <a:rPr lang="en-US" smtClean="0"/>
-              <a:t>9/13/2023</a:t>
+              <a:t>9/14/2023</a:t>
             </a:fld>
             <a:endParaRPr lang="en-US"/>
           </a:p>
@@ -2900,7 +2903,7 @@
           <a:p>
             <a:fld id="{1E351CED-465B-40B5-ADCE-957C918F227B}" type="datetimeFigureOut">
               <a:rPr lang="en-US" smtClean="0"/>
-              <a:t>9/13/2023</a:t>
+              <a:t>9/14/2023</a:t>
             </a:fld>
             <a:endParaRPr lang="en-US"/>
           </a:p>
@@ -3194,7 +3197,7 @@
           <a:p>
             <a:fld id="{1E351CED-465B-40B5-ADCE-957C918F227B}" type="datetimeFigureOut">
               <a:rPr lang="en-US" smtClean="0"/>
-              <a:t>9/13/2023</a:t>
+              <a:t>9/14/2023</a:t>
             </a:fld>
             <a:endParaRPr lang="en-US"/>
           </a:p>
@@ -3435,7 +3438,7 @@
           <a:p>
             <a:fld id="{1E351CED-465B-40B5-ADCE-957C918F227B}" type="datetimeFigureOut">
               <a:rPr lang="en-US" smtClean="0"/>
-              <a:t>9/13/2023</a:t>
+              <a:t>9/14/2023</a:t>
             </a:fld>
             <a:endParaRPr lang="en-US"/>
           </a:p>
@@ -4374,6 +4377,135 @@
 </p:sld>
 </file>
 
+<file path=ppt/slides/slide10.xml><?xml version="1.0" encoding="utf-8"?>
+<p:sld xmlns:a="http://schemas.openxmlformats.org/drawingml/2006/main" xmlns:r="http://schemas.openxmlformats.org/officeDocument/2006/relationships" xmlns:p="http://schemas.openxmlformats.org/presentationml/2006/main">
+  <p:cSld>
+    <p:spTree>
+      <p:nvGrpSpPr>
+        <p:cNvPr id="1" name=""/>
+        <p:cNvGrpSpPr/>
+        <p:nvPr/>
+      </p:nvGrpSpPr>
+      <p:grpSpPr>
+        <a:xfrm>
+          <a:off x="0" y="0"/>
+          <a:ext cx="0" cy="0"/>
+          <a:chOff x="0" y="0"/>
+          <a:chExt cx="0" cy="0"/>
+        </a:xfrm>
+      </p:grpSpPr>
+      <p:pic>
+        <p:nvPicPr>
+          <p:cNvPr id="1026" name="Picture 2" descr="Question Ppt Powerpoint Presentation File Pictures | PPT Images Gallery |  PowerPoint Slide Show | PowerPoint Presentation Templates">
+            <a:extLst>
+              <a:ext uri="{FF2B5EF4-FFF2-40B4-BE49-F238E27FC236}">
+                <a16:creationId xmlns:a16="http://schemas.microsoft.com/office/drawing/2014/main" id="{FE50C6B1-1791-41AE-903A-0584EDBE44FE}"/>
+              </a:ext>
+            </a:extLst>
+          </p:cNvPr>
+          <p:cNvPicPr>
+            <a:picLocks noChangeAspect="1" noChangeArrowheads="1"/>
+          </p:cNvPicPr>
+          <p:nvPr/>
+        </p:nvPicPr>
+        <p:blipFill>
+          <a:blip r:embed="rId2">
+            <a:extLst>
+              <a:ext uri="{28A0092B-C50C-407E-A947-70E740481C1C}">
+                <a14:useLocalDpi xmlns:a14="http://schemas.microsoft.com/office/drawing/2010/main" val="0"/>
+              </a:ext>
+            </a:extLst>
+          </a:blip>
+          <a:srcRect/>
+          <a:stretch>
+            <a:fillRect/>
+          </a:stretch>
+        </p:blipFill>
+        <p:spPr bwMode="auto">
+          <a:xfrm>
+            <a:off x="0" y="0"/>
+            <a:ext cx="12192000" cy="6858000"/>
+          </a:xfrm>
+          <a:prstGeom prst="rect">
+            <a:avLst/>
+          </a:prstGeom>
+          <a:noFill/>
+          <a:extLst>
+            <a:ext uri="{909E8E84-426E-40DD-AFC4-6F175D3DCCD1}">
+              <a14:hiddenFill xmlns:a14="http://schemas.microsoft.com/office/drawing/2010/main">
+                <a:solidFill>
+                  <a:srgbClr val="FFFFFF"/>
+                </a:solidFill>
+              </a14:hiddenFill>
+            </a:ext>
+          </a:extLst>
+        </p:spPr>
+      </p:pic>
+      <p:pic>
+        <p:nvPicPr>
+          <p:cNvPr id="9" name="Picture 9">
+            <a:extLst>
+              <a:ext uri="{FF2B5EF4-FFF2-40B4-BE49-F238E27FC236}">
+                <a16:creationId xmlns:a16="http://schemas.microsoft.com/office/drawing/2014/main" id="{1519A12C-C8FF-4829-9423-63419E9D34DE}"/>
+              </a:ext>
+            </a:extLst>
+          </p:cNvPr>
+          <p:cNvPicPr>
+            <a:picLocks noChangeAspect="1"/>
+          </p:cNvPicPr>
+          <p:nvPr/>
+        </p:nvPicPr>
+        <p:blipFill>
+          <a:blip r:embed="rId3"/>
+          <a:stretch>
+            <a:fillRect/>
+          </a:stretch>
+        </p:blipFill>
+        <p:spPr>
+          <a:xfrm>
+            <a:off x="7893686" y="3694843"/>
+            <a:ext cx="1232559" cy="979124"/>
+          </a:xfrm>
+          <a:prstGeom prst="ellipse">
+            <a:avLst/>
+          </a:prstGeom>
+          <a:ln w="63500" cap="rnd">
+            <a:noFill/>
+          </a:ln>
+          <a:effectLst>
+            <a:outerShdw blurRad="381000" dist="292100" dir="5400000" sx="-80000" sy="-18000" rotWithShape="0">
+              <a:srgbClr val="000000">
+                <a:alpha val="22000"/>
+              </a:srgbClr>
+            </a:outerShdw>
+          </a:effectLst>
+          <a:scene3d>
+            <a:camera prst="orthographicFront"/>
+            <a:lightRig rig="contrasting" dir="t">
+              <a:rot lat="0" lon="0" rev="3000000"/>
+            </a:lightRig>
+          </a:scene3d>
+          <a:sp3d contourW="7620">
+            <a:bevelT w="95250" h="31750"/>
+            <a:contourClr>
+              <a:srgbClr val="333333"/>
+            </a:contourClr>
+          </a:sp3d>
+        </p:spPr>
+      </p:pic>
+    </p:spTree>
+    <p:extLst>
+      <p:ext uri="{BB962C8B-B14F-4D97-AF65-F5344CB8AC3E}">
+        <p14:creationId xmlns:p14="http://schemas.microsoft.com/office/powerpoint/2010/main" val="3938976527"/>
+      </p:ext>
+    </p:extLst>
+  </p:cSld>
+  <p:clrMapOvr>
+    <a:masterClrMapping/>
+  </p:clrMapOvr>
+</p:sld>
+</file>
+
 <file path=ppt/slides/slide2.xml><?xml version="1.0" encoding="utf-8"?>
 <p:sld xmlns:a="http://schemas.openxmlformats.org/drawingml/2006/main" xmlns:r="http://schemas.openxmlformats.org/officeDocument/2006/relationships" xmlns:p="http://schemas.openxmlformats.org/presentationml/2006/main">
   <p:cSld>
@@ -5322,12 +5454,46 @@
           <a:chExt cx="0" cy="0"/>
         </a:xfrm>
       </p:grpSpPr>
+      <p:sp>
+        <p:nvSpPr>
+          <p:cNvPr id="10" name="Заголовок 9">
+            <a:extLst>
+              <a:ext uri="{FF2B5EF4-FFF2-40B4-BE49-F238E27FC236}">
+                <a16:creationId xmlns:a16="http://schemas.microsoft.com/office/drawing/2014/main" id="{9728DA13-6F55-49BA-90AD-CA0D459AC514}"/>
+              </a:ext>
+            </a:extLst>
+          </p:cNvPr>
+          <p:cNvSpPr>
+            <a:spLocks noGrp="1"/>
+          </p:cNvSpPr>
+          <p:nvPr>
+            <p:ph type="ctrTitle"/>
+          </p:nvPr>
+        </p:nvSpPr>
+        <p:spPr>
+          <a:xfrm>
+            <a:off x="3683134" y="-1384917"/>
+            <a:ext cx="6211185" cy="2305246"/>
+          </a:xfrm>
+        </p:spPr>
+        <p:txBody>
+          <a:bodyPr/>
+          <a:lstStyle/>
+          <a:p>
+            <a:r>
+              <a:rPr lang="en-US" dirty="0"/>
+              <a:t>Our competitors</a:t>
+            </a:r>
+            <a:endParaRPr lang="uk-UA" dirty="0"/>
+          </a:p>
+        </p:txBody>
+      </p:sp>
       <p:pic>
         <p:nvPicPr>
-          <p:cNvPr id="15" name="Picture 14" descr="Network with pins">
-            <a:extLst>
-              <a:ext uri="{FF2B5EF4-FFF2-40B4-BE49-F238E27FC236}">
-                <a16:creationId xmlns:a16="http://schemas.microsoft.com/office/drawing/2014/main" id="{84F2CCA6-1697-C459-7CE8-F2D74DDE014D}"/>
+          <p:cNvPr id="16" name="Рисунок 15">
+            <a:extLst>
+              <a:ext uri="{FF2B5EF4-FFF2-40B4-BE49-F238E27FC236}">
+                <a16:creationId xmlns:a16="http://schemas.microsoft.com/office/drawing/2014/main" id="{F1FB9169-FC55-4A44-A35D-27618ED3DFBA}"/>
               </a:ext>
             </a:extLst>
           </p:cNvPr>
@@ -5336,324 +5502,82 @@
           </p:cNvPicPr>
           <p:nvPr/>
         </p:nvPicPr>
-        <p:blipFill rotWithShape="1">
+        <p:blipFill>
           <a:blip r:embed="rId2"/>
-          <a:srcRect t="15419" r="-2" b="-2"/>
-          <a:stretch/>
+          <a:stretch>
+            <a:fillRect/>
+          </a:stretch>
         </p:blipFill>
         <p:spPr>
           <a:xfrm>
-            <a:off x="20" y="10"/>
-            <a:ext cx="12191979" cy="6857990"/>
+            <a:off x="1100182" y="1552783"/>
+            <a:ext cx="3098956" cy="998010"/>
           </a:xfrm>
           <a:prstGeom prst="rect">
             <a:avLst/>
           </a:prstGeom>
-          <a:noFill/>
         </p:spPr>
       </p:pic>
-      <p:sp>
-        <p:nvSpPr>
-          <p:cNvPr id="2" name="Title 1">
-            <a:extLst>
-              <a:ext uri="{FF2B5EF4-FFF2-40B4-BE49-F238E27FC236}">
-                <a16:creationId xmlns:a16="http://schemas.microsoft.com/office/drawing/2014/main" id="{2136A90E-ACC0-AB0B-A9DF-86D6B984ED36}"/>
-              </a:ext>
-            </a:extLst>
-          </p:cNvPr>
-          <p:cNvSpPr>
-            <a:spLocks noGrp="1"/>
-          </p:cNvSpPr>
-          <p:nvPr>
-            <p:ph type="ctrTitle"/>
-          </p:nvPr>
-        </p:nvSpPr>
+      <p:pic>
+        <p:nvPicPr>
+          <p:cNvPr id="18" name="Рисунок 17">
+            <a:extLst>
+              <a:ext uri="{FF2B5EF4-FFF2-40B4-BE49-F238E27FC236}">
+                <a16:creationId xmlns:a16="http://schemas.microsoft.com/office/drawing/2014/main" id="{8DE85CE5-3628-4083-A54E-C75C092BD698}"/>
+              </a:ext>
+            </a:extLst>
+          </p:cNvPr>
+          <p:cNvPicPr>
+            <a:picLocks noChangeAspect="1"/>
+          </p:cNvPicPr>
+          <p:nvPr/>
+        </p:nvPicPr>
+        <p:blipFill>
+          <a:blip r:embed="rId3"/>
+          <a:stretch>
+            <a:fillRect/>
+          </a:stretch>
+        </p:blipFill>
         <p:spPr>
           <a:xfrm>
-            <a:off x="1066802" y="1122363"/>
-            <a:ext cx="5029198" cy="2305246"/>
-          </a:xfrm>
-        </p:spPr>
-        <p:txBody>
-          <a:bodyPr>
-            <a:normAutofit/>
-          </a:bodyPr>
-          <a:lstStyle/>
-          <a:p>
-            <a:r>
-              <a:rPr lang="en-US">
-                <a:solidFill>
-                  <a:srgbClr val="FFFFFF"/>
-                </a:solidFill>
-              </a:rPr>
-              <a:t> Competitors cons</a:t>
-            </a:r>
-          </a:p>
-        </p:txBody>
-      </p:sp>
-      <p:sp>
-        <p:nvSpPr>
-          <p:cNvPr id="3" name="Subtitle 2">
-            <a:extLst>
-              <a:ext uri="{FF2B5EF4-FFF2-40B4-BE49-F238E27FC236}">
-                <a16:creationId xmlns:a16="http://schemas.microsoft.com/office/drawing/2014/main" id="{E1290C75-57AB-A523-514A-E083DAC8297C}"/>
-              </a:ext>
-            </a:extLst>
-          </p:cNvPr>
-          <p:cNvSpPr>
-            <a:spLocks noGrp="1"/>
-          </p:cNvSpPr>
-          <p:nvPr>
-            <p:ph type="subTitle" idx="1"/>
-          </p:nvPr>
-        </p:nvSpPr>
-        <p:spPr>
-          <a:xfrm>
-            <a:off x="1066802" y="3549048"/>
-            <a:ext cx="5721925" cy="2738070"/>
-          </a:xfrm>
-        </p:spPr>
-        <p:txBody>
-          <a:bodyPr vert="horz" lIns="91440" tIns="45720" rIns="91440" bIns="45720" rtlCol="0" anchor="t">
-            <a:noAutofit/>
-          </a:bodyPr>
-          <a:lstStyle/>
-          <a:p>
-            <a:pPr marL="342900" indent="-342900">
-              <a:buFont typeface="Arial,Sans-Serif"/>
-              <a:buChar char="•"/>
-            </a:pPr>
-            <a:r>
-              <a:rPr lang="en-US" b="1" dirty="0">
-                <a:solidFill>
-                  <a:srgbClr val="FFFFFF"/>
-                </a:solidFill>
-              </a:rPr>
-              <a:t>Paid Service</a:t>
-            </a:r>
-          </a:p>
-          <a:p>
-            <a:pPr marL="342900" indent="-342900">
-              <a:buFont typeface="Arial,Sans-Serif"/>
-              <a:buChar char="•"/>
-            </a:pPr>
-            <a:r>
-              <a:rPr lang="en-US" b="1" dirty="0">
-                <a:solidFill>
-                  <a:srgbClr val="FFFFFF"/>
-                </a:solidFill>
-              </a:rPr>
-              <a:t>User unfriendly interface</a:t>
-            </a:r>
-          </a:p>
-          <a:p>
-            <a:pPr marL="342900" indent="-342900">
-              <a:buFont typeface="Arial,Sans-Serif"/>
-              <a:buChar char="•"/>
-            </a:pPr>
-            <a:r>
-              <a:rPr lang="en-US" b="1" dirty="0">
-                <a:solidFill>
-                  <a:srgbClr val="FFFFFF"/>
-                </a:solidFill>
-              </a:rPr>
-              <a:t>Interface is confusing</a:t>
-            </a:r>
-          </a:p>
-          <a:p>
-            <a:pPr marL="342900" indent="-342900">
-              <a:buFont typeface="Arial,Sans-Serif"/>
-              <a:buChar char="•"/>
-            </a:pPr>
-            <a:r>
-              <a:rPr lang="en-US" b="1" dirty="0">
-                <a:solidFill>
-                  <a:srgbClr val="FFFFFF"/>
-                </a:solidFill>
-              </a:rPr>
-              <a:t>Unable to export data from application</a:t>
-            </a:r>
-          </a:p>
-          <a:p>
-            <a:pPr marL="342900" indent="-342900">
-              <a:buFont typeface="Arial,Sans-Serif"/>
-              <a:buChar char="•"/>
-            </a:pPr>
-            <a:endParaRPr lang="en-US" sz="1900" b="1">
-              <a:solidFill>
-                <a:srgbClr val="FFFFFF"/>
-              </a:solidFill>
-            </a:endParaRPr>
-          </a:p>
-          <a:p>
-            <a:pPr marL="342900" indent="-342900">
-              <a:buFont typeface="Arial,Sans-Serif"/>
-              <a:buChar char="•"/>
-            </a:pPr>
-            <a:endParaRPr lang="en-US" sz="1900" b="1">
-              <a:solidFill>
-                <a:srgbClr val="FFFFFF"/>
-              </a:solidFill>
-            </a:endParaRPr>
-          </a:p>
-        </p:txBody>
-      </p:sp>
-      <p:sp>
-        <p:nvSpPr>
-          <p:cNvPr id="4" name="TextBox 3">
-            <a:extLst>
-              <a:ext uri="{FF2B5EF4-FFF2-40B4-BE49-F238E27FC236}">
-                <a16:creationId xmlns:a16="http://schemas.microsoft.com/office/drawing/2014/main" id="{BA6FAEA1-0D55-2027-7F17-1A76D88509E0}"/>
-              </a:ext>
-            </a:extLst>
-          </p:cNvPr>
-          <p:cNvSpPr txBox="1"/>
-          <p:nvPr/>
-        </p:nvSpPr>
-        <p:spPr>
-          <a:xfrm>
-            <a:off x="7208322" y="231569"/>
-            <a:ext cx="4475018" cy="646331"/>
+            <a:off x="4408338" y="3429000"/>
+            <a:ext cx="2167960" cy="2167960"/>
           </a:xfrm>
           <a:prstGeom prst="rect">
             <a:avLst/>
           </a:prstGeom>
-          <a:noFill/>
-        </p:spPr>
-        <p:txBody>
-          <a:bodyPr rot="0" spcFirstLastPara="0" vertOverflow="overflow" horzOverflow="overflow" vert="horz" wrap="square" lIns="91440" tIns="45720" rIns="91440" bIns="45720" numCol="1" spcCol="0" rtlCol="0" fromWordArt="0" anchor="t" anchorCtr="0" forceAA="0" compatLnSpc="1">
-            <a:prstTxWarp prst="textNoShape">
-              <a:avLst/>
-            </a:prstTxWarp>
-            <a:spAutoFit/>
-          </a:bodyPr>
-          <a:lstStyle/>
-          <a:p>
-            <a:pPr>
-              <a:spcAft>
-                <a:spcPts val="600"/>
-              </a:spcAft>
-            </a:pPr>
-            <a:r>
-              <a:rPr lang="en-US" sz="3600" b="1" dirty="0"/>
-              <a:t> Competitors pros</a:t>
-            </a:r>
-            <a:endParaRPr lang="en-US"/>
-          </a:p>
-        </p:txBody>
-      </p:sp>
-      <p:sp>
-        <p:nvSpPr>
-          <p:cNvPr id="12" name="TextBox 11">
-            <a:extLst>
-              <a:ext uri="{FF2B5EF4-FFF2-40B4-BE49-F238E27FC236}">
-                <a16:creationId xmlns:a16="http://schemas.microsoft.com/office/drawing/2014/main" id="{6DB2AAC6-D85D-4CEA-F6EF-C95E2BB0D5B7}"/>
-              </a:ext>
-            </a:extLst>
-          </p:cNvPr>
-          <p:cNvSpPr txBox="1"/>
+        </p:spPr>
+      </p:pic>
+      <p:pic>
+        <p:nvPicPr>
+          <p:cNvPr id="20" name="Рисунок 19">
+            <a:extLst>
+              <a:ext uri="{FF2B5EF4-FFF2-40B4-BE49-F238E27FC236}">
+                <a16:creationId xmlns:a16="http://schemas.microsoft.com/office/drawing/2014/main" id="{449E88F9-1169-4491-9252-FF660CECDB35}"/>
+              </a:ext>
+            </a:extLst>
+          </p:cNvPr>
+          <p:cNvPicPr>
+            <a:picLocks noChangeAspect="1"/>
+          </p:cNvPicPr>
           <p:nvPr/>
-        </p:nvSpPr>
+        </p:nvPicPr>
+        <p:blipFill>
+          <a:blip r:embed="rId4"/>
+          <a:stretch>
+            <a:fillRect/>
+          </a:stretch>
+        </p:blipFill>
         <p:spPr>
           <a:xfrm>
-            <a:off x="6788727" y="930233"/>
-            <a:ext cx="5024745" cy="2116092"/>
+            <a:off x="7089199" y="920329"/>
+            <a:ext cx="2305246" cy="2305246"/>
           </a:xfrm>
           <a:prstGeom prst="rect">
             <a:avLst/>
           </a:prstGeom>
-          <a:noFill/>
-        </p:spPr>
-        <p:txBody>
-          <a:bodyPr rot="0" spcFirstLastPara="0" vertOverflow="overflow" horzOverflow="overflow" vert="horz" wrap="square" lIns="91440" tIns="45720" rIns="91440" bIns="45720" numCol="1" spcCol="0" rtlCol="0" fromWordArt="0" anchor="t" anchorCtr="0" forceAA="0" compatLnSpc="1">
-            <a:prstTxWarp prst="textNoShape">
-              <a:avLst/>
-            </a:prstTxWarp>
-            <a:spAutoFit/>
-          </a:bodyPr>
-          <a:lstStyle/>
-          <a:p>
-            <a:pPr marL="285750" indent="-285750">
-              <a:lnSpc>
-                <a:spcPct val="150000"/>
-              </a:lnSpc>
-              <a:spcAft>
-                <a:spcPts val="600"/>
-              </a:spcAft>
-              <a:buFont typeface="Arial"/>
-              <a:buChar char="•"/>
-            </a:pPr>
-            <a:r>
-              <a:rPr lang="en-US" sz="2000" dirty="0">
-                <a:ea typeface="+mn-lt"/>
-                <a:cs typeface="+mn-lt"/>
-              </a:rPr>
-              <a:t>Real-Time Syncing</a:t>
-            </a:r>
-            <a:endParaRPr lang="en-US"/>
-          </a:p>
-          <a:p>
-            <a:pPr marL="285750" indent="-285750">
-              <a:lnSpc>
-                <a:spcPct val="150000"/>
-              </a:lnSpc>
-              <a:spcAft>
-                <a:spcPts val="600"/>
-              </a:spcAft>
-              <a:buFont typeface="Arial"/>
-              <a:buChar char="•"/>
-            </a:pPr>
-            <a:r>
-              <a:rPr lang="en-US" sz="2000" dirty="0"/>
-              <a:t>Cross-platforming</a:t>
-            </a:r>
-            <a:endParaRPr lang="en-US" sz="2000"/>
-          </a:p>
-          <a:p>
-            <a:pPr marL="285750" indent="-285750">
-              <a:lnSpc>
-                <a:spcPct val="150000"/>
-              </a:lnSpc>
-              <a:spcAft>
-                <a:spcPts val="600"/>
-              </a:spcAft>
-              <a:buFont typeface="Arial"/>
-              <a:buChar char="•"/>
-            </a:pPr>
-            <a:r>
-              <a:rPr lang="en-US" sz="2000" dirty="0">
-                <a:ea typeface="+mn-lt"/>
-                <a:cs typeface="+mn-lt"/>
-              </a:rPr>
-              <a:t>Expense Tracking and Categorization</a:t>
-            </a:r>
-            <a:endParaRPr lang="en-US" sz="2000">
-              <a:ea typeface="+mn-lt"/>
-              <a:cs typeface="+mn-lt"/>
-            </a:endParaRPr>
-          </a:p>
-          <a:p>
-            <a:pPr marL="285750" indent="-285750">
-              <a:lnSpc>
-                <a:spcPct val="150000"/>
-              </a:lnSpc>
-              <a:spcAft>
-                <a:spcPts val="600"/>
-              </a:spcAft>
-              <a:buFont typeface="Arial"/>
-              <a:buChar char="•"/>
-            </a:pPr>
-            <a:r>
-              <a:rPr lang="en-US" sz="2000" dirty="0">
-                <a:ea typeface="+mn-lt"/>
-                <a:cs typeface="+mn-lt"/>
-              </a:rPr>
-              <a:t>Alerts and Reminders</a:t>
-            </a:r>
-            <a:endParaRPr lang="en-US" sz="2000"/>
-          </a:p>
-        </p:txBody>
-      </p:sp>
+        </p:spPr>
+      </p:pic>
     </p:spTree>
     <p:extLst>
       <p:ext uri="{BB962C8B-B14F-4D97-AF65-F5344CB8AC3E}">
@@ -5686,10 +5610,10 @@
       </p:grpSpPr>
       <p:pic>
         <p:nvPicPr>
-          <p:cNvPr id="1026" name="Picture 2" descr="Question Ppt Powerpoint Presentation File Pictures | PPT Images Gallery |  PowerPoint Slide Show | PowerPoint Presentation Templates">
-            <a:extLst>
-              <a:ext uri="{FF2B5EF4-FFF2-40B4-BE49-F238E27FC236}">
-                <a16:creationId xmlns:a16="http://schemas.microsoft.com/office/drawing/2014/main" id="{FE50C6B1-1791-41AE-903A-0584EDBE44FE}"/>
+          <p:cNvPr id="1026" name="Picture 2" descr="Budget Tracker &amp; Planner | Free Online Money Management | Mint">
+            <a:extLst>
+              <a:ext uri="{FF2B5EF4-FFF2-40B4-BE49-F238E27FC236}">
+                <a16:creationId xmlns:a16="http://schemas.microsoft.com/office/drawing/2014/main" id="{C812E6EF-CB02-4EA2-B439-2688666D72F9}"/>
               </a:ext>
             </a:extLst>
           </p:cNvPr>
@@ -5713,8 +5637,8 @@
         </p:blipFill>
         <p:spPr bwMode="auto">
           <a:xfrm>
-            <a:off x="0" y="0"/>
-            <a:ext cx="12192000" cy="6858000"/>
+            <a:off x="7890202" y="571793"/>
+            <a:ext cx="4301798" cy="5975488"/>
           </a:xfrm>
           <a:prstGeom prst="rect">
             <a:avLst/>
@@ -5731,62 +5655,1104 @@
           </a:extLst>
         </p:spPr>
       </p:pic>
+      <p:sp>
+        <p:nvSpPr>
+          <p:cNvPr id="2" name="Заголовок 1">
+            <a:extLst>
+              <a:ext uri="{FF2B5EF4-FFF2-40B4-BE49-F238E27FC236}">
+                <a16:creationId xmlns:a16="http://schemas.microsoft.com/office/drawing/2014/main" id="{B651AE91-9E23-4080-B0B2-362596A8CCFC}"/>
+              </a:ext>
+            </a:extLst>
+          </p:cNvPr>
+          <p:cNvSpPr>
+            <a:spLocks noGrp="1"/>
+          </p:cNvSpPr>
+          <p:nvPr>
+            <p:ph type="ctrTitle"/>
+          </p:nvPr>
+        </p:nvSpPr>
+        <p:spPr>
+          <a:xfrm>
+            <a:off x="3996433" y="133166"/>
+            <a:ext cx="4677052" cy="893696"/>
+          </a:xfrm>
+        </p:spPr>
+        <p:txBody>
+          <a:bodyPr/>
+          <a:lstStyle/>
+          <a:p>
+            <a:r>
+              <a:rPr lang="en-US" dirty="0"/>
+              <a:t>Mint</a:t>
+            </a:r>
+            <a:endParaRPr lang="uk-UA" dirty="0"/>
+          </a:p>
+        </p:txBody>
+      </p:sp>
+      <p:sp>
+        <p:nvSpPr>
+          <p:cNvPr id="3" name="Підзаголовок 2">
+            <a:extLst>
+              <a:ext uri="{FF2B5EF4-FFF2-40B4-BE49-F238E27FC236}">
+                <a16:creationId xmlns:a16="http://schemas.microsoft.com/office/drawing/2014/main" id="{1FA031EA-1194-420E-AA07-F7D0126CC6C5}"/>
+              </a:ext>
+            </a:extLst>
+          </p:cNvPr>
+          <p:cNvSpPr>
+            <a:spLocks noGrp="1"/>
+          </p:cNvSpPr>
+          <p:nvPr>
+            <p:ph type="subTitle" idx="1"/>
+          </p:nvPr>
+        </p:nvSpPr>
+        <p:spPr>
+          <a:xfrm>
+            <a:off x="285567" y="1393795"/>
+            <a:ext cx="5671349" cy="2583401"/>
+          </a:xfrm>
+        </p:spPr>
+        <p:txBody>
+          <a:bodyPr>
+            <a:normAutofit/>
+          </a:bodyPr>
+          <a:lstStyle/>
+          <a:p>
+            <a:r>
+              <a:rPr lang="en-US" dirty="0"/>
+              <a:t>Pros:</a:t>
+            </a:r>
+          </a:p>
+          <a:p>
+            <a:pPr marL="342900" indent="-342900">
+              <a:buFont typeface="Arial" panose="020B0604020202020204" pitchFamily="34" charset="0"/>
+              <a:buChar char="•"/>
+            </a:pPr>
+            <a:r>
+              <a:rPr lang="en-US" dirty="0"/>
+              <a:t>    Free</a:t>
+            </a:r>
+          </a:p>
+          <a:p>
+            <a:pPr marL="342900" indent="-342900">
+              <a:buFont typeface="Arial" panose="020B0604020202020204" pitchFamily="34" charset="0"/>
+              <a:buChar char="•"/>
+            </a:pPr>
+            <a:r>
+              <a:rPr lang="en-US" dirty="0"/>
+              <a:t>    Able to link your cards</a:t>
+            </a:r>
+          </a:p>
+          <a:p>
+            <a:pPr marL="342900" indent="-342900">
+              <a:buFont typeface="Arial" panose="020B0604020202020204" pitchFamily="34" charset="0"/>
+              <a:buChar char="•"/>
+            </a:pPr>
+            <a:r>
+              <a:rPr lang="en-US" dirty="0"/>
+              <a:t>    Categorizing transactions</a:t>
+            </a:r>
+          </a:p>
+          <a:p>
+            <a:pPr marL="342900" indent="-342900">
+              <a:buFont typeface="Arial" panose="020B0604020202020204" pitchFamily="34" charset="0"/>
+              <a:buChar char="•"/>
+            </a:pPr>
+            <a:r>
+              <a:rPr lang="en-US" dirty="0"/>
+              <a:t>    Various reports</a:t>
+            </a:r>
+          </a:p>
+          <a:p>
+            <a:endParaRPr lang="uk-UA" dirty="0"/>
+          </a:p>
+        </p:txBody>
+      </p:sp>
+      <p:sp>
+        <p:nvSpPr>
+          <p:cNvPr id="4" name="TextBox 3">
+            <a:extLst>
+              <a:ext uri="{FF2B5EF4-FFF2-40B4-BE49-F238E27FC236}">
+                <a16:creationId xmlns:a16="http://schemas.microsoft.com/office/drawing/2014/main" id="{1AE08F3A-CA2E-4C42-AF78-10DEEFED65CC}"/>
+              </a:ext>
+            </a:extLst>
+          </p:cNvPr>
+          <p:cNvSpPr txBox="1"/>
+          <p:nvPr/>
+        </p:nvSpPr>
+        <p:spPr>
+          <a:xfrm>
+            <a:off x="4265722" y="1293194"/>
+            <a:ext cx="5140171" cy="3970446"/>
+          </a:xfrm>
+          <a:prstGeom prst="rect">
+            <a:avLst/>
+          </a:prstGeom>
+          <a:noFill/>
+        </p:spPr>
+        <p:txBody>
+          <a:bodyPr wrap="square" rtlCol="0">
+            <a:spAutoFit/>
+          </a:bodyPr>
+          <a:lstStyle/>
+          <a:p>
+            <a:r>
+              <a:rPr lang="en-US" dirty="0"/>
+              <a:t> Cons:</a:t>
+            </a:r>
+          </a:p>
+          <a:p>
+            <a:pPr marL="285750" indent="-285750">
+              <a:lnSpc>
+                <a:spcPct val="200000"/>
+              </a:lnSpc>
+              <a:buFont typeface="Arial" panose="020B0604020202020204" pitchFamily="34" charset="0"/>
+              <a:buChar char="•"/>
+            </a:pPr>
+            <a:r>
+              <a:rPr lang="en-US" dirty="0"/>
+              <a:t>    </a:t>
+            </a:r>
+            <a:r>
+              <a:rPr lang="en-US" sz="2000" dirty="0"/>
+              <a:t>A lot of ads</a:t>
+            </a:r>
+          </a:p>
+          <a:p>
+            <a:pPr marL="285750" indent="-285750">
+              <a:lnSpc>
+                <a:spcPct val="200000"/>
+              </a:lnSpc>
+              <a:buFont typeface="Arial" panose="020B0604020202020204" pitchFamily="34" charset="0"/>
+              <a:buChar char="•"/>
+            </a:pPr>
+            <a:r>
+              <a:rPr lang="en-US" sz="2000" dirty="0"/>
+              <a:t>    Interface is confusing</a:t>
+            </a:r>
+          </a:p>
+          <a:p>
+            <a:pPr marL="285750" indent="-285750">
+              <a:lnSpc>
+                <a:spcPct val="200000"/>
+              </a:lnSpc>
+              <a:buFont typeface="Arial" panose="020B0604020202020204" pitchFamily="34" charset="0"/>
+              <a:buChar char="•"/>
+            </a:pPr>
+            <a:r>
+              <a:rPr lang="en-US" sz="2000" dirty="0"/>
+              <a:t>    Hard for unexperienced users</a:t>
+            </a:r>
+          </a:p>
+          <a:p>
+            <a:pPr marL="285750" indent="-285750">
+              <a:lnSpc>
+                <a:spcPct val="200000"/>
+              </a:lnSpc>
+              <a:buFont typeface="Arial" panose="020B0604020202020204" pitchFamily="34" charset="0"/>
+              <a:buChar char="•"/>
+            </a:pPr>
+            <a:r>
+              <a:rPr lang="en-US" sz="2000" dirty="0"/>
+              <a:t>    Can't delete default categories</a:t>
+            </a:r>
+          </a:p>
+          <a:p>
+            <a:pPr marL="285750" indent="-285750">
+              <a:lnSpc>
+                <a:spcPct val="200000"/>
+              </a:lnSpc>
+              <a:buFont typeface="Arial" panose="020B0604020202020204" pitchFamily="34" charset="0"/>
+              <a:buChar char="•"/>
+            </a:pPr>
+            <a:r>
+              <a:rPr lang="en-US" sz="2000" dirty="0"/>
+              <a:t>    Notification are strange </a:t>
+            </a:r>
+          </a:p>
+          <a:p>
+            <a:pPr marL="285750" indent="-285750">
+              <a:lnSpc>
+                <a:spcPct val="200000"/>
+              </a:lnSpc>
+              <a:buFont typeface="Arial" panose="020B0604020202020204" pitchFamily="34" charset="0"/>
+              <a:buChar char="•"/>
+            </a:pPr>
+            <a:r>
+              <a:rPr lang="en-US" sz="2000" dirty="0"/>
+              <a:t>    Auto-categorizing transactions</a:t>
+            </a:r>
+            <a:endParaRPr lang="uk-UA" sz="2000" dirty="0"/>
+          </a:p>
+        </p:txBody>
+      </p:sp>
+    </p:spTree>
+    <p:extLst>
+      <p:ext uri="{BB962C8B-B14F-4D97-AF65-F5344CB8AC3E}">
+        <p14:creationId xmlns:p14="http://schemas.microsoft.com/office/powerpoint/2010/main" val="2851762031"/>
+      </p:ext>
+    </p:extLst>
+  </p:cSld>
+  <p:clrMapOvr>
+    <a:masterClrMapping/>
+  </p:clrMapOvr>
+</p:sld>
+</file>
+
+<file path=ppt/slides/slide8.xml><?xml version="1.0" encoding="utf-8"?>
+<p:sld xmlns:a="http://schemas.openxmlformats.org/drawingml/2006/main" xmlns:r="http://schemas.openxmlformats.org/officeDocument/2006/relationships" xmlns:p="http://schemas.openxmlformats.org/presentationml/2006/main">
+  <p:cSld>
+    <p:spTree>
+      <p:nvGrpSpPr>
+        <p:cNvPr id="1" name=""/>
+        <p:cNvGrpSpPr/>
+        <p:nvPr/>
+      </p:nvGrpSpPr>
+      <p:grpSpPr>
+        <a:xfrm>
+          <a:off x="0" y="0"/>
+          <a:ext cx="0" cy="0"/>
+          <a:chOff x="0" y="0"/>
+          <a:chExt cx="0" cy="0"/>
+        </a:xfrm>
+      </p:grpSpPr>
       <p:pic>
         <p:nvPicPr>
-          <p:cNvPr id="9" name="Picture 9">
-            <a:extLst>
-              <a:ext uri="{FF2B5EF4-FFF2-40B4-BE49-F238E27FC236}">
-                <a16:creationId xmlns:a16="http://schemas.microsoft.com/office/drawing/2014/main" id="{1519A12C-C8FF-4829-9423-63419E9D34DE}"/>
+          <p:cNvPr id="2050" name="Picture 2" descr="EveryDollar - Ramsey">
+            <a:extLst>
+              <a:ext uri="{FF2B5EF4-FFF2-40B4-BE49-F238E27FC236}">
+                <a16:creationId xmlns:a16="http://schemas.microsoft.com/office/drawing/2014/main" id="{99447EE8-7F12-49D1-8987-B89DF9DE14D6}"/>
               </a:ext>
             </a:extLst>
           </p:cNvPr>
           <p:cNvPicPr>
-            <a:picLocks noChangeAspect="1"/>
+            <a:picLocks noChangeAspect="1" noChangeArrowheads="1"/>
           </p:cNvPicPr>
           <p:nvPr/>
         </p:nvPicPr>
         <p:blipFill>
-          <a:blip r:embed="rId3"/>
+          <a:blip r:embed="rId2">
+            <a:extLst>
+              <a:ext uri="{28A0092B-C50C-407E-A947-70E740481C1C}">
+                <a14:useLocalDpi xmlns:a14="http://schemas.microsoft.com/office/drawing/2010/main" val="0"/>
+              </a:ext>
+            </a:extLst>
+          </a:blip>
+          <a:srcRect/>
           <a:stretch>
             <a:fillRect/>
           </a:stretch>
         </p:blipFill>
+        <p:spPr bwMode="auto">
+          <a:xfrm>
+            <a:off x="7062666" y="1109709"/>
+            <a:ext cx="4447455" cy="4638582"/>
+          </a:xfrm>
+          <a:prstGeom prst="rect">
+            <a:avLst/>
+          </a:prstGeom>
+          <a:noFill/>
+          <a:extLst>
+            <a:ext uri="{909E8E84-426E-40DD-AFC4-6F175D3DCCD1}">
+              <a14:hiddenFill xmlns:a14="http://schemas.microsoft.com/office/drawing/2010/main">
+                <a:solidFill>
+                  <a:srgbClr val="FFFFFF"/>
+                </a:solidFill>
+              </a14:hiddenFill>
+            </a:ext>
+          </a:extLst>
+        </p:spPr>
+      </p:pic>
+      <p:sp>
+        <p:nvSpPr>
+          <p:cNvPr id="2" name="Заголовок 1">
+            <a:extLst>
+              <a:ext uri="{FF2B5EF4-FFF2-40B4-BE49-F238E27FC236}">
+                <a16:creationId xmlns:a16="http://schemas.microsoft.com/office/drawing/2014/main" id="{30D44BDD-4DB6-4F80-9878-3452D85A2401}"/>
+              </a:ext>
+            </a:extLst>
+          </p:cNvPr>
+          <p:cNvSpPr>
+            <a:spLocks noGrp="1"/>
+          </p:cNvSpPr>
+          <p:nvPr>
+            <p:ph type="ctrTitle"/>
+          </p:nvPr>
+        </p:nvSpPr>
         <p:spPr>
           <a:xfrm>
-            <a:off x="7893686" y="3694843"/>
-            <a:ext cx="1232559" cy="979124"/>
-          </a:xfrm>
-          <a:prstGeom prst="ellipse">
+            <a:off x="3907655" y="0"/>
+            <a:ext cx="3931327" cy="711042"/>
+          </a:xfrm>
+        </p:spPr>
+        <p:txBody>
+          <a:bodyPr/>
+          <a:lstStyle/>
+          <a:p>
+            <a:r>
+              <a:rPr lang="en-US" dirty="0" err="1"/>
+              <a:t>EveryDollar</a:t>
+            </a:r>
+            <a:endParaRPr lang="uk-UA" dirty="0"/>
+          </a:p>
+        </p:txBody>
+      </p:sp>
+      <p:sp>
+        <p:nvSpPr>
+          <p:cNvPr id="3" name="Підзаголовок 2">
+            <a:extLst>
+              <a:ext uri="{FF2B5EF4-FFF2-40B4-BE49-F238E27FC236}">
+                <a16:creationId xmlns:a16="http://schemas.microsoft.com/office/drawing/2014/main" id="{279D1BC7-AF70-42AD-AD17-77A470A7C1C0}"/>
+              </a:ext>
+            </a:extLst>
+          </p:cNvPr>
+          <p:cNvSpPr>
+            <a:spLocks noGrp="1"/>
+          </p:cNvSpPr>
+          <p:nvPr>
+            <p:ph type="subTitle" idx="1"/>
+          </p:nvPr>
+        </p:nvSpPr>
+        <p:spPr>
+          <a:xfrm>
+            <a:off x="258934" y="1224147"/>
+            <a:ext cx="3203357" cy="1956278"/>
+          </a:xfrm>
+        </p:spPr>
+        <p:txBody>
+          <a:bodyPr>
+            <a:noAutofit/>
+          </a:bodyPr>
+          <a:lstStyle/>
+          <a:p>
+            <a:r>
+              <a:rPr lang="en-US" dirty="0"/>
+              <a:t> Pros:</a:t>
+            </a:r>
+          </a:p>
+          <a:p>
+            <a:pPr marL="342900" indent="-342900">
+              <a:buFont typeface="Arial" panose="020B0604020202020204" pitchFamily="34" charset="0"/>
+              <a:buChar char="•"/>
+            </a:pPr>
+            <a:r>
+              <a:rPr lang="en-US" dirty="0"/>
+              <a:t>    Free</a:t>
+            </a:r>
+          </a:p>
+          <a:p>
+            <a:pPr marL="342900" indent="-342900">
+              <a:buFont typeface="Arial" panose="020B0604020202020204" pitchFamily="34" charset="0"/>
+              <a:buChar char="•"/>
+            </a:pPr>
+            <a:r>
+              <a:rPr lang="en-US" dirty="0"/>
+              <a:t>    Simple to use</a:t>
+            </a:r>
+          </a:p>
+          <a:p>
+            <a:pPr marL="342900" indent="-342900">
+              <a:buFont typeface="Arial" panose="020B0604020202020204" pitchFamily="34" charset="0"/>
+              <a:buChar char="•"/>
+            </a:pPr>
+            <a:r>
+              <a:rPr lang="en-US" dirty="0"/>
+              <a:t>    Various reports</a:t>
+            </a:r>
+          </a:p>
+          <a:p>
+            <a:pPr marL="342900" indent="-342900">
+              <a:buFont typeface="Arial" panose="020B0604020202020204" pitchFamily="34" charset="0"/>
+              <a:buChar char="•"/>
+            </a:pPr>
+            <a:r>
+              <a:rPr lang="en-US" dirty="0"/>
+              <a:t>    Have guides</a:t>
+            </a:r>
+            <a:endParaRPr lang="uk-UA" dirty="0"/>
+          </a:p>
+        </p:txBody>
+      </p:sp>
+      <p:sp>
+        <p:nvSpPr>
+          <p:cNvPr id="4" name="Підзаголовок 2">
+            <a:extLst>
+              <a:ext uri="{FF2B5EF4-FFF2-40B4-BE49-F238E27FC236}">
+                <a16:creationId xmlns:a16="http://schemas.microsoft.com/office/drawing/2014/main" id="{9D2DEB4F-966A-4AE6-80F1-811DDDB64339}"/>
+              </a:ext>
+            </a:extLst>
+          </p:cNvPr>
+          <p:cNvSpPr txBox="1">
+            <a:spLocks/>
+          </p:cNvSpPr>
+          <p:nvPr/>
+        </p:nvSpPr>
+        <p:spPr>
+          <a:xfrm>
+            <a:off x="317747" y="3963058"/>
+            <a:ext cx="7179815" cy="1956278"/>
+          </a:xfrm>
+          <a:prstGeom prst="rect">
             <a:avLst/>
           </a:prstGeom>
-          <a:ln w="63500" cap="rnd">
-            <a:noFill/>
-          </a:ln>
-          <a:effectLst>
-            <a:outerShdw blurRad="381000" dist="292100" dir="5400000" sx="-80000" sy="-18000" rotWithShape="0">
-              <a:srgbClr val="000000">
-                <a:alpha val="22000"/>
-              </a:srgbClr>
-            </a:outerShdw>
-          </a:effectLst>
-          <a:scene3d>
-            <a:camera prst="orthographicFront"/>
-            <a:lightRig rig="contrasting" dir="t">
-              <a:rot lat="0" lon="0" rev="3000000"/>
-            </a:lightRig>
-          </a:scene3d>
-          <a:sp3d contourW="7620">
-            <a:bevelT w="95250" h="31750"/>
-            <a:contourClr>
-              <a:srgbClr val="333333"/>
-            </a:contourClr>
-          </a:sp3d>
+        </p:spPr>
+        <p:txBody>
+          <a:bodyPr vert="horz" lIns="91440" tIns="45720" rIns="91440" bIns="45720" rtlCol="0">
+            <a:noAutofit/>
+          </a:bodyPr>
+          <a:lstStyle>
+            <a:lvl1pPr marL="0" indent="0" algn="l" defTabSz="914400" rtl="0" eaLnBrk="1" latinLnBrk="0" hangingPunct="1">
+              <a:lnSpc>
+                <a:spcPct val="120000"/>
+              </a:lnSpc>
+              <a:spcBef>
+                <a:spcPts val="1000"/>
+              </a:spcBef>
+              <a:buFont typeface="Arial" panose="020B0604020202020204" pitchFamily="34" charset="0"/>
+              <a:buNone/>
+              <a:defRPr sz="2000" kern="1200">
+                <a:solidFill>
+                  <a:schemeClr val="tx1"/>
+                </a:solidFill>
+                <a:latin typeface="+mn-lt"/>
+                <a:ea typeface="+mn-ea"/>
+                <a:cs typeface="+mn-cs"/>
+              </a:defRPr>
+            </a:lvl1pPr>
+            <a:lvl2pPr marL="457200" indent="0" algn="ctr" defTabSz="914400" rtl="0" eaLnBrk="1" latinLnBrk="0" hangingPunct="1">
+              <a:lnSpc>
+                <a:spcPct val="120000"/>
+              </a:lnSpc>
+              <a:spcBef>
+                <a:spcPts val="500"/>
+              </a:spcBef>
+              <a:buFont typeface="Neue Haas Grotesk Text Pro" panose="020B0504020202020204" pitchFamily="34" charset="0"/>
+              <a:buNone/>
+              <a:defRPr sz="2000" kern="1200">
+                <a:solidFill>
+                  <a:schemeClr val="tx1"/>
+                </a:solidFill>
+                <a:latin typeface="+mn-lt"/>
+                <a:ea typeface="+mn-ea"/>
+                <a:cs typeface="+mn-cs"/>
+              </a:defRPr>
+            </a:lvl2pPr>
+            <a:lvl3pPr marL="914400" indent="0" algn="ctr" defTabSz="914400" rtl="0" eaLnBrk="1" latinLnBrk="0" hangingPunct="1">
+              <a:lnSpc>
+                <a:spcPct val="120000"/>
+              </a:lnSpc>
+              <a:spcBef>
+                <a:spcPts val="500"/>
+              </a:spcBef>
+              <a:buFont typeface="Arial" panose="020B0604020202020204" pitchFamily="34" charset="0"/>
+              <a:buNone/>
+              <a:defRPr sz="1800" kern="1200">
+                <a:solidFill>
+                  <a:schemeClr val="tx1"/>
+                </a:solidFill>
+                <a:latin typeface="+mn-lt"/>
+                <a:ea typeface="+mn-ea"/>
+                <a:cs typeface="+mn-cs"/>
+              </a:defRPr>
+            </a:lvl3pPr>
+            <a:lvl4pPr marL="1371600" indent="0" algn="ctr" defTabSz="914400" rtl="0" eaLnBrk="1" latinLnBrk="0" hangingPunct="1">
+              <a:lnSpc>
+                <a:spcPct val="120000"/>
+              </a:lnSpc>
+              <a:spcBef>
+                <a:spcPts val="500"/>
+              </a:spcBef>
+              <a:buFont typeface="Neue Haas Grotesk Text Pro" panose="020B0504020202020204" pitchFamily="34" charset="0"/>
+              <a:buNone/>
+              <a:defRPr sz="1600" kern="1200">
+                <a:solidFill>
+                  <a:schemeClr val="tx1"/>
+                </a:solidFill>
+                <a:latin typeface="+mn-lt"/>
+                <a:ea typeface="+mn-ea"/>
+                <a:cs typeface="+mn-cs"/>
+              </a:defRPr>
+            </a:lvl4pPr>
+            <a:lvl5pPr marL="1828800" indent="0" algn="ctr" defTabSz="914400" rtl="0" eaLnBrk="1" latinLnBrk="0" hangingPunct="1">
+              <a:lnSpc>
+                <a:spcPct val="120000"/>
+              </a:lnSpc>
+              <a:spcBef>
+                <a:spcPts val="500"/>
+              </a:spcBef>
+              <a:buFont typeface="Arial" panose="020B0604020202020204" pitchFamily="34" charset="0"/>
+              <a:buNone/>
+              <a:defRPr sz="1600" kern="1200">
+                <a:solidFill>
+                  <a:schemeClr val="tx1"/>
+                </a:solidFill>
+                <a:latin typeface="+mn-lt"/>
+                <a:ea typeface="+mn-ea"/>
+                <a:cs typeface="+mn-cs"/>
+              </a:defRPr>
+            </a:lvl5pPr>
+            <a:lvl6pPr marL="2286000" indent="0" algn="ctr" defTabSz="914400" rtl="0" eaLnBrk="1" latinLnBrk="0" hangingPunct="1">
+              <a:lnSpc>
+                <a:spcPct val="90000"/>
+              </a:lnSpc>
+              <a:spcBef>
+                <a:spcPts val="500"/>
+              </a:spcBef>
+              <a:buFont typeface="Arial" panose="020B0604020202020204" pitchFamily="34" charset="0"/>
+              <a:buNone/>
+              <a:defRPr sz="1600" kern="1200">
+                <a:solidFill>
+                  <a:schemeClr val="tx1"/>
+                </a:solidFill>
+                <a:latin typeface="+mn-lt"/>
+                <a:ea typeface="+mn-ea"/>
+                <a:cs typeface="+mn-cs"/>
+              </a:defRPr>
+            </a:lvl6pPr>
+            <a:lvl7pPr marL="2743200" indent="0" algn="ctr" defTabSz="914400" rtl="0" eaLnBrk="1" latinLnBrk="0" hangingPunct="1">
+              <a:lnSpc>
+                <a:spcPct val="90000"/>
+              </a:lnSpc>
+              <a:spcBef>
+                <a:spcPts val="500"/>
+              </a:spcBef>
+              <a:buFont typeface="Arial" panose="020B0604020202020204" pitchFamily="34" charset="0"/>
+              <a:buNone/>
+              <a:defRPr sz="1600" kern="1200">
+                <a:solidFill>
+                  <a:schemeClr val="tx1"/>
+                </a:solidFill>
+                <a:latin typeface="+mn-lt"/>
+                <a:ea typeface="+mn-ea"/>
+                <a:cs typeface="+mn-cs"/>
+              </a:defRPr>
+            </a:lvl7pPr>
+            <a:lvl8pPr marL="3200400" indent="0" algn="ctr" defTabSz="914400" rtl="0" eaLnBrk="1" latinLnBrk="0" hangingPunct="1">
+              <a:lnSpc>
+                <a:spcPct val="90000"/>
+              </a:lnSpc>
+              <a:spcBef>
+                <a:spcPts val="500"/>
+              </a:spcBef>
+              <a:buFont typeface="Arial" panose="020B0604020202020204" pitchFamily="34" charset="0"/>
+              <a:buNone/>
+              <a:defRPr sz="1600" kern="1200">
+                <a:solidFill>
+                  <a:schemeClr val="tx1"/>
+                </a:solidFill>
+                <a:latin typeface="+mn-lt"/>
+                <a:ea typeface="+mn-ea"/>
+                <a:cs typeface="+mn-cs"/>
+              </a:defRPr>
+            </a:lvl8pPr>
+            <a:lvl9pPr marL="3657600" indent="0" algn="ctr" defTabSz="914400" rtl="0" eaLnBrk="1" latinLnBrk="0" hangingPunct="1">
+              <a:lnSpc>
+                <a:spcPct val="90000"/>
+              </a:lnSpc>
+              <a:spcBef>
+                <a:spcPts val="500"/>
+              </a:spcBef>
+              <a:buFont typeface="Arial" panose="020B0604020202020204" pitchFamily="34" charset="0"/>
+              <a:buNone/>
+              <a:defRPr sz="1600" kern="1200">
+                <a:solidFill>
+                  <a:schemeClr val="tx1"/>
+                </a:solidFill>
+                <a:latin typeface="+mn-lt"/>
+                <a:ea typeface="+mn-ea"/>
+                <a:cs typeface="+mn-cs"/>
+              </a:defRPr>
+            </a:lvl9pPr>
+          </a:lstStyle>
+          <a:p>
+            <a:r>
+              <a:rPr lang="en-US" dirty="0"/>
+              <a:t>  Cons:</a:t>
+            </a:r>
+          </a:p>
+          <a:p>
+            <a:pPr marL="342900" indent="-342900">
+              <a:buFont typeface="Arial" panose="020B0604020202020204" pitchFamily="34" charset="0"/>
+              <a:buChar char="•"/>
+            </a:pPr>
+            <a:r>
+              <a:rPr lang="en-US" dirty="0"/>
+              <a:t>    Subscription for additional features quite expensive</a:t>
+            </a:r>
+          </a:p>
+          <a:p>
+            <a:pPr marL="342900" indent="-342900">
+              <a:buFont typeface="Arial" panose="020B0604020202020204" pitchFamily="34" charset="0"/>
+              <a:buChar char="•"/>
+            </a:pPr>
+            <a:r>
+              <a:rPr lang="en-US" dirty="0"/>
+              <a:t>    Interface is confusing</a:t>
+            </a:r>
+          </a:p>
+          <a:p>
+            <a:pPr marL="342900" indent="-342900">
+              <a:buFont typeface="Arial" panose="020B0604020202020204" pitchFamily="34" charset="0"/>
+              <a:buChar char="•"/>
+            </a:pPr>
+            <a:r>
+              <a:rPr lang="en-US" dirty="0"/>
+              <a:t>    Data can't be exported</a:t>
+            </a:r>
+          </a:p>
+          <a:p>
+            <a:pPr marL="342900" indent="-342900">
+              <a:buFont typeface="Arial" panose="020B0604020202020204" pitchFamily="34" charset="0"/>
+              <a:buChar char="•"/>
+            </a:pPr>
+            <a:r>
+              <a:rPr lang="en-US" dirty="0"/>
+              <a:t>    Doesn't check overspending or underspending</a:t>
+            </a:r>
+            <a:endParaRPr lang="uk-UA" dirty="0"/>
+          </a:p>
+        </p:txBody>
+      </p:sp>
+    </p:spTree>
+    <p:extLst>
+      <p:ext uri="{BB962C8B-B14F-4D97-AF65-F5344CB8AC3E}">
+        <p14:creationId xmlns:p14="http://schemas.microsoft.com/office/powerpoint/2010/main" val="1808788944"/>
+      </p:ext>
+    </p:extLst>
+  </p:cSld>
+  <p:clrMapOvr>
+    <a:masterClrMapping/>
+  </p:clrMapOvr>
+</p:sld>
+</file>
+
+<file path=ppt/slides/slide9.xml><?xml version="1.0" encoding="utf-8"?>
+<p:sld xmlns:a="http://schemas.openxmlformats.org/drawingml/2006/main" xmlns:r="http://schemas.openxmlformats.org/officeDocument/2006/relationships" xmlns:p="http://schemas.openxmlformats.org/presentationml/2006/main">
+  <p:cSld>
+    <p:spTree>
+      <p:nvGrpSpPr>
+        <p:cNvPr id="1" name=""/>
+        <p:cNvGrpSpPr/>
+        <p:nvPr/>
+      </p:nvGrpSpPr>
+      <p:grpSpPr>
+        <a:xfrm>
+          <a:off x="0" y="0"/>
+          <a:ext cx="0" cy="0"/>
+          <a:chOff x="0" y="0"/>
+          <a:chExt cx="0" cy="0"/>
+        </a:xfrm>
+      </p:grpSpPr>
+      <p:sp>
+        <p:nvSpPr>
+          <p:cNvPr id="2" name="Заголовок 1">
+            <a:extLst>
+              <a:ext uri="{FF2B5EF4-FFF2-40B4-BE49-F238E27FC236}">
+                <a16:creationId xmlns:a16="http://schemas.microsoft.com/office/drawing/2014/main" id="{30D44BDD-4DB6-4F80-9878-3452D85A2401}"/>
+              </a:ext>
+            </a:extLst>
+          </p:cNvPr>
+          <p:cNvSpPr>
+            <a:spLocks noGrp="1"/>
+          </p:cNvSpPr>
+          <p:nvPr>
+            <p:ph type="ctrTitle"/>
+          </p:nvPr>
+        </p:nvSpPr>
+        <p:spPr>
+          <a:xfrm>
+            <a:off x="3907655" y="0"/>
+            <a:ext cx="3931327" cy="711042"/>
+          </a:xfrm>
+        </p:spPr>
+        <p:txBody>
+          <a:bodyPr/>
+          <a:lstStyle/>
+          <a:p>
+            <a:r>
+              <a:rPr lang="en-US" dirty="0"/>
+              <a:t>YNAB</a:t>
+            </a:r>
+            <a:endParaRPr lang="uk-UA" dirty="0"/>
+          </a:p>
+        </p:txBody>
+      </p:sp>
+      <p:sp>
+        <p:nvSpPr>
+          <p:cNvPr id="3" name="Підзаголовок 2">
+            <a:extLst>
+              <a:ext uri="{FF2B5EF4-FFF2-40B4-BE49-F238E27FC236}">
+                <a16:creationId xmlns:a16="http://schemas.microsoft.com/office/drawing/2014/main" id="{279D1BC7-AF70-42AD-AD17-77A470A7C1C0}"/>
+              </a:ext>
+            </a:extLst>
+          </p:cNvPr>
+          <p:cNvSpPr>
+            <a:spLocks noGrp="1"/>
+          </p:cNvSpPr>
+          <p:nvPr>
+            <p:ph type="subTitle" idx="1"/>
+          </p:nvPr>
+        </p:nvSpPr>
+        <p:spPr>
+          <a:xfrm>
+            <a:off x="258934" y="1224147"/>
+            <a:ext cx="6523606" cy="1956278"/>
+          </a:xfrm>
+        </p:spPr>
+        <p:txBody>
+          <a:bodyPr>
+            <a:noAutofit/>
+          </a:bodyPr>
+          <a:lstStyle/>
+          <a:p>
+            <a:r>
+              <a:rPr lang="en-US" dirty="0"/>
+              <a:t> Pros:</a:t>
+            </a:r>
+          </a:p>
+          <a:p>
+            <a:pPr marL="342900" indent="-342900">
+              <a:buFont typeface="Arial" panose="020B0604020202020204" pitchFamily="34" charset="0"/>
+              <a:buChar char="•"/>
+            </a:pPr>
+            <a:r>
+              <a:rPr lang="en-US" dirty="0"/>
+              <a:t>    Beautiful interface</a:t>
+            </a:r>
+          </a:p>
+          <a:p>
+            <a:pPr marL="342900" indent="-342900">
+              <a:buFont typeface="Arial" panose="020B0604020202020204" pitchFamily="34" charset="0"/>
+              <a:buChar char="•"/>
+            </a:pPr>
+            <a:r>
+              <a:rPr lang="en-US" dirty="0"/>
+              <a:t>    Easy to use</a:t>
+            </a:r>
+          </a:p>
+          <a:p>
+            <a:pPr marL="342900" indent="-342900">
+              <a:buFont typeface="Arial" panose="020B0604020202020204" pitchFamily="34" charset="0"/>
+              <a:buChar char="•"/>
+            </a:pPr>
+            <a:r>
+              <a:rPr lang="en-US" dirty="0"/>
+              <a:t>    Notification are fantastic</a:t>
+            </a:r>
+          </a:p>
+          <a:p>
+            <a:pPr marL="342900" indent="-342900">
+              <a:buFont typeface="Arial" panose="020B0604020202020204" pitchFamily="34" charset="0"/>
+              <a:buChar char="•"/>
+            </a:pPr>
+            <a:r>
+              <a:rPr lang="en-US" dirty="0"/>
+              <a:t>    Holds you accountable for overspending</a:t>
+            </a:r>
+          </a:p>
+          <a:p>
+            <a:pPr marL="342900" indent="-342900">
+              <a:buFont typeface="Arial" panose="020B0604020202020204" pitchFamily="34" charset="0"/>
+              <a:buChar char="•"/>
+            </a:pPr>
+            <a:r>
+              <a:rPr lang="en-US" dirty="0"/>
+              <a:t>    Reports, that can be exported in Excel file</a:t>
+            </a:r>
+          </a:p>
+          <a:p>
+            <a:pPr marL="342900" indent="-342900">
+              <a:buFont typeface="Arial" panose="020B0604020202020204" pitchFamily="34" charset="0"/>
+              <a:buChar char="•"/>
+            </a:pPr>
+            <a:r>
+              <a:rPr lang="en-US" dirty="0"/>
+              <a:t>    Linking your cards</a:t>
+            </a:r>
+            <a:endParaRPr lang="uk-UA" dirty="0"/>
+          </a:p>
+        </p:txBody>
+      </p:sp>
+      <p:sp>
+        <p:nvSpPr>
+          <p:cNvPr id="4" name="Підзаголовок 2">
+            <a:extLst>
+              <a:ext uri="{FF2B5EF4-FFF2-40B4-BE49-F238E27FC236}">
+                <a16:creationId xmlns:a16="http://schemas.microsoft.com/office/drawing/2014/main" id="{9D2DEB4F-966A-4AE6-80F1-811DDDB64339}"/>
+              </a:ext>
+            </a:extLst>
+          </p:cNvPr>
+          <p:cNvSpPr txBox="1">
+            <a:spLocks/>
+          </p:cNvSpPr>
+          <p:nvPr/>
+        </p:nvSpPr>
+        <p:spPr>
+          <a:xfrm>
+            <a:off x="317747" y="4575618"/>
+            <a:ext cx="7179815" cy="1956278"/>
+          </a:xfrm>
+          <a:prstGeom prst="rect">
+            <a:avLst/>
+          </a:prstGeom>
+        </p:spPr>
+        <p:txBody>
+          <a:bodyPr vert="horz" lIns="91440" tIns="45720" rIns="91440" bIns="45720" rtlCol="0">
+            <a:noAutofit/>
+          </a:bodyPr>
+          <a:lstStyle>
+            <a:lvl1pPr marL="0" indent="0" algn="l" defTabSz="914400" rtl="0" eaLnBrk="1" latinLnBrk="0" hangingPunct="1">
+              <a:lnSpc>
+                <a:spcPct val="120000"/>
+              </a:lnSpc>
+              <a:spcBef>
+                <a:spcPts val="1000"/>
+              </a:spcBef>
+              <a:buFont typeface="Arial" panose="020B0604020202020204" pitchFamily="34" charset="0"/>
+              <a:buNone/>
+              <a:defRPr sz="2000" kern="1200">
+                <a:solidFill>
+                  <a:schemeClr val="tx1"/>
+                </a:solidFill>
+                <a:latin typeface="+mn-lt"/>
+                <a:ea typeface="+mn-ea"/>
+                <a:cs typeface="+mn-cs"/>
+              </a:defRPr>
+            </a:lvl1pPr>
+            <a:lvl2pPr marL="457200" indent="0" algn="ctr" defTabSz="914400" rtl="0" eaLnBrk="1" latinLnBrk="0" hangingPunct="1">
+              <a:lnSpc>
+                <a:spcPct val="120000"/>
+              </a:lnSpc>
+              <a:spcBef>
+                <a:spcPts val="500"/>
+              </a:spcBef>
+              <a:buFont typeface="Neue Haas Grotesk Text Pro" panose="020B0504020202020204" pitchFamily="34" charset="0"/>
+              <a:buNone/>
+              <a:defRPr sz="2000" kern="1200">
+                <a:solidFill>
+                  <a:schemeClr val="tx1"/>
+                </a:solidFill>
+                <a:latin typeface="+mn-lt"/>
+                <a:ea typeface="+mn-ea"/>
+                <a:cs typeface="+mn-cs"/>
+              </a:defRPr>
+            </a:lvl2pPr>
+            <a:lvl3pPr marL="914400" indent="0" algn="ctr" defTabSz="914400" rtl="0" eaLnBrk="1" latinLnBrk="0" hangingPunct="1">
+              <a:lnSpc>
+                <a:spcPct val="120000"/>
+              </a:lnSpc>
+              <a:spcBef>
+                <a:spcPts val="500"/>
+              </a:spcBef>
+              <a:buFont typeface="Arial" panose="020B0604020202020204" pitchFamily="34" charset="0"/>
+              <a:buNone/>
+              <a:defRPr sz="1800" kern="1200">
+                <a:solidFill>
+                  <a:schemeClr val="tx1"/>
+                </a:solidFill>
+                <a:latin typeface="+mn-lt"/>
+                <a:ea typeface="+mn-ea"/>
+                <a:cs typeface="+mn-cs"/>
+              </a:defRPr>
+            </a:lvl3pPr>
+            <a:lvl4pPr marL="1371600" indent="0" algn="ctr" defTabSz="914400" rtl="0" eaLnBrk="1" latinLnBrk="0" hangingPunct="1">
+              <a:lnSpc>
+                <a:spcPct val="120000"/>
+              </a:lnSpc>
+              <a:spcBef>
+                <a:spcPts val="500"/>
+              </a:spcBef>
+              <a:buFont typeface="Neue Haas Grotesk Text Pro" panose="020B0504020202020204" pitchFamily="34" charset="0"/>
+              <a:buNone/>
+              <a:defRPr sz="1600" kern="1200">
+                <a:solidFill>
+                  <a:schemeClr val="tx1"/>
+                </a:solidFill>
+                <a:latin typeface="+mn-lt"/>
+                <a:ea typeface="+mn-ea"/>
+                <a:cs typeface="+mn-cs"/>
+              </a:defRPr>
+            </a:lvl4pPr>
+            <a:lvl5pPr marL="1828800" indent="0" algn="ctr" defTabSz="914400" rtl="0" eaLnBrk="1" latinLnBrk="0" hangingPunct="1">
+              <a:lnSpc>
+                <a:spcPct val="120000"/>
+              </a:lnSpc>
+              <a:spcBef>
+                <a:spcPts val="500"/>
+              </a:spcBef>
+              <a:buFont typeface="Arial" panose="020B0604020202020204" pitchFamily="34" charset="0"/>
+              <a:buNone/>
+              <a:defRPr sz="1600" kern="1200">
+                <a:solidFill>
+                  <a:schemeClr val="tx1"/>
+                </a:solidFill>
+                <a:latin typeface="+mn-lt"/>
+                <a:ea typeface="+mn-ea"/>
+                <a:cs typeface="+mn-cs"/>
+              </a:defRPr>
+            </a:lvl5pPr>
+            <a:lvl6pPr marL="2286000" indent="0" algn="ctr" defTabSz="914400" rtl="0" eaLnBrk="1" latinLnBrk="0" hangingPunct="1">
+              <a:lnSpc>
+                <a:spcPct val="90000"/>
+              </a:lnSpc>
+              <a:spcBef>
+                <a:spcPts val="500"/>
+              </a:spcBef>
+              <a:buFont typeface="Arial" panose="020B0604020202020204" pitchFamily="34" charset="0"/>
+              <a:buNone/>
+              <a:defRPr sz="1600" kern="1200">
+                <a:solidFill>
+                  <a:schemeClr val="tx1"/>
+                </a:solidFill>
+                <a:latin typeface="+mn-lt"/>
+                <a:ea typeface="+mn-ea"/>
+                <a:cs typeface="+mn-cs"/>
+              </a:defRPr>
+            </a:lvl6pPr>
+            <a:lvl7pPr marL="2743200" indent="0" algn="ctr" defTabSz="914400" rtl="0" eaLnBrk="1" latinLnBrk="0" hangingPunct="1">
+              <a:lnSpc>
+                <a:spcPct val="90000"/>
+              </a:lnSpc>
+              <a:spcBef>
+                <a:spcPts val="500"/>
+              </a:spcBef>
+              <a:buFont typeface="Arial" panose="020B0604020202020204" pitchFamily="34" charset="0"/>
+              <a:buNone/>
+              <a:defRPr sz="1600" kern="1200">
+                <a:solidFill>
+                  <a:schemeClr val="tx1"/>
+                </a:solidFill>
+                <a:latin typeface="+mn-lt"/>
+                <a:ea typeface="+mn-ea"/>
+                <a:cs typeface="+mn-cs"/>
+              </a:defRPr>
+            </a:lvl7pPr>
+            <a:lvl8pPr marL="3200400" indent="0" algn="ctr" defTabSz="914400" rtl="0" eaLnBrk="1" latinLnBrk="0" hangingPunct="1">
+              <a:lnSpc>
+                <a:spcPct val="90000"/>
+              </a:lnSpc>
+              <a:spcBef>
+                <a:spcPts val="500"/>
+              </a:spcBef>
+              <a:buFont typeface="Arial" panose="020B0604020202020204" pitchFamily="34" charset="0"/>
+              <a:buNone/>
+              <a:defRPr sz="1600" kern="1200">
+                <a:solidFill>
+                  <a:schemeClr val="tx1"/>
+                </a:solidFill>
+                <a:latin typeface="+mn-lt"/>
+                <a:ea typeface="+mn-ea"/>
+                <a:cs typeface="+mn-cs"/>
+              </a:defRPr>
+            </a:lvl8pPr>
+            <a:lvl9pPr marL="3657600" indent="0" algn="ctr" defTabSz="914400" rtl="0" eaLnBrk="1" latinLnBrk="0" hangingPunct="1">
+              <a:lnSpc>
+                <a:spcPct val="90000"/>
+              </a:lnSpc>
+              <a:spcBef>
+                <a:spcPts val="500"/>
+              </a:spcBef>
+              <a:buFont typeface="Arial" panose="020B0604020202020204" pitchFamily="34" charset="0"/>
+              <a:buNone/>
+              <a:defRPr sz="1600" kern="1200">
+                <a:solidFill>
+                  <a:schemeClr val="tx1"/>
+                </a:solidFill>
+                <a:latin typeface="+mn-lt"/>
+                <a:ea typeface="+mn-ea"/>
+                <a:cs typeface="+mn-cs"/>
+              </a:defRPr>
+            </a:lvl9pPr>
+          </a:lstStyle>
+          <a:p>
+            <a:r>
+              <a:rPr lang="en-US" dirty="0"/>
+              <a:t>  Cons:</a:t>
+            </a:r>
+          </a:p>
+          <a:p>
+            <a:pPr marL="342900" indent="-342900">
+              <a:buFont typeface="Arial" panose="020B0604020202020204" pitchFamily="34" charset="0"/>
+              <a:buChar char="•"/>
+            </a:pPr>
+            <a:r>
+              <a:rPr lang="en-US" dirty="0"/>
+              <a:t>    Only paid subscription</a:t>
+            </a:r>
+          </a:p>
+          <a:p>
+            <a:pPr marL="342900" indent="-342900">
+              <a:buFont typeface="Arial" panose="020B0604020202020204" pitchFamily="34" charset="0"/>
+              <a:buChar char="•"/>
+            </a:pPr>
+            <a:r>
+              <a:rPr lang="en-US" dirty="0"/>
+              <a:t>    Hard for unexperienced users</a:t>
+            </a:r>
+          </a:p>
+          <a:p>
+            <a:pPr marL="342900" indent="-342900">
+              <a:buFont typeface="Arial" panose="020B0604020202020204" pitchFamily="34" charset="0"/>
+              <a:buChar char="•"/>
+            </a:pPr>
+            <a:r>
+              <a:rPr lang="en-US" dirty="0"/>
+              <a:t>    Export only all transaction</a:t>
+            </a:r>
+            <a:endParaRPr lang="uk-UA" dirty="0"/>
+          </a:p>
+        </p:txBody>
+      </p:sp>
+      <p:pic>
+        <p:nvPicPr>
+          <p:cNvPr id="3076" name="Picture 4" descr="Gain Total Control of Your Money with YNAB - YNAB">
+            <a:extLst>
+              <a:ext uri="{FF2B5EF4-FFF2-40B4-BE49-F238E27FC236}">
+                <a16:creationId xmlns:a16="http://schemas.microsoft.com/office/drawing/2014/main" id="{6B1890C6-EC07-49D4-98C7-024B9A8A5A77}"/>
+              </a:ext>
+            </a:extLst>
+          </p:cNvPr>
+          <p:cNvPicPr>
+            <a:picLocks noChangeAspect="1" noChangeArrowheads="1"/>
+          </p:cNvPicPr>
+          <p:nvPr/>
+        </p:nvPicPr>
+        <p:blipFill>
+          <a:blip r:embed="rId2">
+            <a:extLst>
+              <a:ext uri="{28A0092B-C50C-407E-A947-70E740481C1C}">
+                <a14:useLocalDpi xmlns:a14="http://schemas.microsoft.com/office/drawing/2010/main" val="0"/>
+              </a:ext>
+            </a:extLst>
+          </a:blip>
+          <a:srcRect/>
+          <a:stretch>
+            <a:fillRect/>
+          </a:stretch>
+        </p:blipFill>
+        <p:spPr bwMode="auto">
+          <a:xfrm>
+            <a:off x="6543813" y="1054795"/>
+            <a:ext cx="5570137" cy="5047826"/>
+          </a:xfrm>
+          <a:prstGeom prst="rect">
+            <a:avLst/>
+          </a:prstGeom>
+          <a:noFill/>
+          <a:extLst>
+            <a:ext uri="{909E8E84-426E-40DD-AFC4-6F175D3DCCD1}">
+              <a14:hiddenFill xmlns:a14="http://schemas.microsoft.com/office/drawing/2010/main">
+                <a:solidFill>
+                  <a:srgbClr val="FFFFFF"/>
+                </a:solidFill>
+              </a14:hiddenFill>
+            </a:ext>
+          </a:extLst>
         </p:spPr>
       </p:pic>
     </p:spTree>
     <p:extLst>
       <p:ext uri="{BB962C8B-B14F-4D97-AF65-F5344CB8AC3E}">
-        <p14:creationId xmlns:p14="http://schemas.microsoft.com/office/powerpoint/2010/main" val="3938976527"/>
+        <p14:creationId xmlns:p14="http://schemas.microsoft.com/office/powerpoint/2010/main" val="1249698045"/>
       </p:ext>
     </p:extLst>
   </p:cSld>

--- a/documents/Presentation.pptx
+++ b/documents/Presentation.pptx
@@ -154,7 +154,7 @@
                 <a16:creationId xmlns:a16="http://schemas.microsoft.com/office/drawing/2014/main" id="{48D7368D-31D9-8101-473D-CD39E706FD22}"/>
               </a:ext>
               <a:ext uri="{C183D7F6-B498-43B3-948B-1728B52AA6E4}">
-                <adec:decorative xmlns:adec="http://schemas.microsoft.com/office/drawing/2017/decorative" val="1"/>
+                <adec:decorative xmlns:adec="http://schemas.microsoft.com/office/drawing/2017/decorative" xmlns="" val="1"/>
               </a:ext>
             </a:extLst>
           </p:cNvPr>
@@ -442,7 +442,7 @@
           <a:p>
             <a:fld id="{1E351CED-465B-40B5-ADCE-957C918F227B}" type="datetimeFigureOut">
               <a:rPr lang="en-US" smtClean="0"/>
-              <a:t>9/14/2023</a:t>
+              <a:t>10/8/2023</a:t>
             </a:fld>
             <a:endParaRPr lang="en-US"/>
           </a:p>
@@ -650,7 +650,7 @@
           <a:p>
             <a:fld id="{1E351CED-465B-40B5-ADCE-957C918F227B}" type="datetimeFigureOut">
               <a:rPr lang="en-US" smtClean="0"/>
-              <a:t>9/14/2023</a:t>
+              <a:t>10/8/2023</a:t>
             </a:fld>
             <a:endParaRPr lang="en-US"/>
           </a:p>
@@ -860,7 +860,7 @@
           <a:p>
             <a:fld id="{1E351CED-465B-40B5-ADCE-957C918F227B}" type="datetimeFigureOut">
               <a:rPr lang="en-US" smtClean="0"/>
-              <a:t>9/14/2023</a:t>
+              <a:t>10/8/2023</a:t>
             </a:fld>
             <a:endParaRPr lang="en-US"/>
           </a:p>
@@ -1060,7 +1060,7 @@
           <a:p>
             <a:fld id="{1E351CED-465B-40B5-ADCE-957C918F227B}" type="datetimeFigureOut">
               <a:rPr lang="en-US" smtClean="0"/>
-              <a:t>9/14/2023</a:t>
+              <a:t>10/8/2023</a:t>
             </a:fld>
             <a:endParaRPr lang="en-US"/>
           </a:p>
@@ -1638,7 +1638,7 @@
           <a:p>
             <a:fld id="{1E351CED-465B-40B5-ADCE-957C918F227B}" type="datetimeFigureOut">
               <a:rPr lang="en-US" smtClean="0"/>
-              <a:t>9/14/2023</a:t>
+              <a:t>10/8/2023</a:t>
             </a:fld>
             <a:endParaRPr lang="en-US"/>
           </a:p>
@@ -1911,7 +1911,7 @@
           <a:p>
             <a:fld id="{1E351CED-465B-40B5-ADCE-957C918F227B}" type="datetimeFigureOut">
               <a:rPr lang="en-US" smtClean="0"/>
-              <a:t>9/14/2023</a:t>
+              <a:t>10/8/2023</a:t>
             </a:fld>
             <a:endParaRPr lang="en-US"/>
           </a:p>
@@ -2328,7 +2328,7 @@
           <a:p>
             <a:fld id="{1E351CED-465B-40B5-ADCE-957C918F227B}" type="datetimeFigureOut">
               <a:rPr lang="en-US" smtClean="0"/>
-              <a:t>9/14/2023</a:t>
+              <a:t>10/8/2023</a:t>
             </a:fld>
             <a:endParaRPr lang="en-US"/>
           </a:p>
@@ -2475,7 +2475,7 @@
           <a:p>
             <a:fld id="{1E351CED-465B-40B5-ADCE-957C918F227B}" type="datetimeFigureOut">
               <a:rPr lang="en-US" smtClean="0"/>
-              <a:t>9/14/2023</a:t>
+              <a:t>10/8/2023</a:t>
             </a:fld>
             <a:endParaRPr lang="en-US"/>
           </a:p>
@@ -2588,7 +2588,7 @@
           <a:p>
             <a:fld id="{1E351CED-465B-40B5-ADCE-957C918F227B}" type="datetimeFigureOut">
               <a:rPr lang="en-US" smtClean="0"/>
-              <a:t>9/14/2023</a:t>
+              <a:t>10/8/2023</a:t>
             </a:fld>
             <a:endParaRPr lang="en-US"/>
           </a:p>
@@ -2903,7 +2903,7 @@
           <a:p>
             <a:fld id="{1E351CED-465B-40B5-ADCE-957C918F227B}" type="datetimeFigureOut">
               <a:rPr lang="en-US" smtClean="0"/>
-              <a:t>9/14/2023</a:t>
+              <a:t>10/8/2023</a:t>
             </a:fld>
             <a:endParaRPr lang="en-US"/>
           </a:p>
@@ -3197,7 +3197,7 @@
           <a:p>
             <a:fld id="{1E351CED-465B-40B5-ADCE-957C918F227B}" type="datetimeFigureOut">
               <a:rPr lang="en-US" smtClean="0"/>
-              <a:t>9/14/2023</a:t>
+              <a:t>10/8/2023</a:t>
             </a:fld>
             <a:endParaRPr lang="en-US"/>
           </a:p>
@@ -3438,7 +3438,7 @@
           <a:p>
             <a:fld id="{1E351CED-465B-40B5-ADCE-957C918F227B}" type="datetimeFigureOut">
               <a:rPr lang="en-US" smtClean="0"/>
-              <a:t>9/14/2023</a:t>
+              <a:t>10/8/2023</a:t>
             </a:fld>
             <a:endParaRPr lang="en-US"/>
           </a:p>
@@ -3867,7 +3867,7 @@
                 <a16:creationId xmlns:a16="http://schemas.microsoft.com/office/drawing/2014/main" id="{789EBE4E-5983-B393-1D5E-731351065799}"/>
               </a:ext>
               <a:ext uri="{C183D7F6-B498-43B3-948B-1728B52AA6E4}">
-                <adec:decorative xmlns:adec="http://schemas.microsoft.com/office/drawing/2017/decorative" val="1"/>
+                <adec:decorative xmlns:adec="http://schemas.microsoft.com/office/drawing/2017/decorative" xmlns="" val="1"/>
               </a:ext>
             </a:extLst>
           </p:cNvPr>
@@ -3975,7 +3975,7 @@
                 <a16:creationId xmlns:a16="http://schemas.microsoft.com/office/drawing/2014/main" id="{2CEF5482-568A-9463-C672-BC6D644DF982}"/>
               </a:ext>
               <a:ext uri="{C183D7F6-B498-43B3-948B-1728B52AA6E4}">
-                <adec:decorative xmlns:adec="http://schemas.microsoft.com/office/drawing/2017/decorative" val="1"/>
+                <adec:decorative xmlns:adec="http://schemas.microsoft.com/office/drawing/2017/decorative" xmlns="" val="1"/>
               </a:ext>
             </a:extLst>
           </p:cNvPr>
@@ -4192,7 +4192,7 @@
                 <a16:creationId xmlns:a16="http://schemas.microsoft.com/office/drawing/2014/main" id="{D38784C3-11AE-0BE2-6339-1A2BDAC7F034}"/>
               </a:ext>
               <a:ext uri="{C183D7F6-B498-43B3-948B-1728B52AA6E4}">
-                <adec:decorative xmlns:adec="http://schemas.microsoft.com/office/drawing/2017/decorative" val="1"/>
+                <adec:decorative xmlns:adec="http://schemas.microsoft.com/office/drawing/2017/decorative" xmlns="" val="1"/>
               </a:ext>
             </a:extLst>
           </p:cNvPr>
@@ -4840,10 +4840,10 @@
       </p:sp>
       <p:pic>
         <p:nvPicPr>
-          <p:cNvPr id="5" name="Picture 4">
-            <a:extLst>
-              <a:ext uri="{FF2B5EF4-FFF2-40B4-BE49-F238E27FC236}">
-                <a16:creationId xmlns:a16="http://schemas.microsoft.com/office/drawing/2014/main" id="{C16A86F6-6357-0649-6F7F-76961E21D4E4}"/>
+          <p:cNvPr id="6" name="Picture 5" descr="codeopinion.com/wp-content/uploads/2017/10/Bitm...">
+            <a:extLst>
+              <a:ext uri="{FF2B5EF4-FFF2-40B4-BE49-F238E27FC236}">
+                <a16:creationId xmlns:a16="http://schemas.microsoft.com/office/drawing/2014/main" id="{4AAFD4D1-CD34-9D29-E030-092492E316BE}"/>
               </a:ext>
             </a:extLst>
           </p:cNvPr>
@@ -4860,8 +4860,8 @@
         </p:blipFill>
         <p:spPr>
           <a:xfrm>
-            <a:off x="1043188" y="2574222"/>
-            <a:ext cx="2743199" cy="1022684"/>
+            <a:off x="5866137" y="2131422"/>
+            <a:ext cx="2002665" cy="2002665"/>
           </a:xfrm>
           <a:prstGeom prst="rect">
             <a:avLst/>
@@ -4870,10 +4870,10 @@
       </p:pic>
       <p:pic>
         <p:nvPicPr>
-          <p:cNvPr id="6" name="Picture 5" descr="codeopinion.com/wp-content/uploads/2017/10/Bitm...">
-            <a:extLst>
-              <a:ext uri="{FF2B5EF4-FFF2-40B4-BE49-F238E27FC236}">
-                <a16:creationId xmlns:a16="http://schemas.microsoft.com/office/drawing/2014/main" id="{4AAFD4D1-CD34-9D29-E030-092492E316BE}"/>
+          <p:cNvPr id="8" name="Picture 7" descr="net">
+            <a:extLst>
+              <a:ext uri="{FF2B5EF4-FFF2-40B4-BE49-F238E27FC236}">
+                <a16:creationId xmlns:a16="http://schemas.microsoft.com/office/drawing/2014/main" id="{603EFB63-FB0C-0376-0431-FDE5D36B94E4}"/>
               </a:ext>
             </a:extLst>
           </p:cNvPr>
@@ -4890,8 +4890,8 @@
         </p:blipFill>
         <p:spPr>
           <a:xfrm>
-            <a:off x="5866137" y="2131422"/>
-            <a:ext cx="2002665" cy="2002665"/>
+            <a:off x="3490175" y="4128752"/>
+            <a:ext cx="2034862" cy="2034862"/>
           </a:xfrm>
           <a:prstGeom prst="rect">
             <a:avLst/>
@@ -4900,10 +4900,10 @@
       </p:pic>
       <p:pic>
         <p:nvPicPr>
-          <p:cNvPr id="8" name="Picture 7" descr="net">
-            <a:extLst>
-              <a:ext uri="{FF2B5EF4-FFF2-40B4-BE49-F238E27FC236}">
-                <a16:creationId xmlns:a16="http://schemas.microsoft.com/office/drawing/2014/main" id="{603EFB63-FB0C-0376-0431-FDE5D36B94E4}"/>
+          <p:cNvPr id="10" name="Picture 9" descr="C# | Викии Вики | Fandom">
+            <a:extLst>
+              <a:ext uri="{FF2B5EF4-FFF2-40B4-BE49-F238E27FC236}">
+                <a16:creationId xmlns:a16="http://schemas.microsoft.com/office/drawing/2014/main" id="{1E5C7350-F0EB-5638-7692-B93A2B557687}"/>
               </a:ext>
             </a:extLst>
           </p:cNvPr>
@@ -4920,8 +4920,8 @@
         </p:blipFill>
         <p:spPr>
           <a:xfrm>
-            <a:off x="3490175" y="4128752"/>
-            <a:ext cx="2034862" cy="2034862"/>
+            <a:off x="8907885" y="756632"/>
+            <a:ext cx="1524003" cy="1524003"/>
           </a:xfrm>
           <a:prstGeom prst="rect">
             <a:avLst/>
@@ -4930,32 +4930,41 @@
       </p:pic>
       <p:pic>
         <p:nvPicPr>
-          <p:cNvPr id="10" name="Picture 9" descr="C# | Викии Вики | Fandom">
-            <a:extLst>
-              <a:ext uri="{FF2B5EF4-FFF2-40B4-BE49-F238E27FC236}">
-                <a16:creationId xmlns:a16="http://schemas.microsoft.com/office/drawing/2014/main" id="{1E5C7350-F0EB-5638-7692-B93A2B557687}"/>
-              </a:ext>
-            </a:extLst>
-          </p:cNvPr>
+          <p:cNvPr id="1026" name="Picture 2" descr="Digitteck | WPF"/>
           <p:cNvPicPr>
-            <a:picLocks noChangeAspect="1"/>
+            <a:picLocks noChangeAspect="1" noChangeArrowheads="1"/>
           </p:cNvPicPr>
           <p:nvPr/>
         </p:nvPicPr>
-        <p:blipFill>
-          <a:blip r:embed="rId5"/>
-          <a:stretch>
-            <a:fillRect/>
-          </a:stretch>
+        <p:blipFill rotWithShape="1">
+          <a:blip r:embed="rId5">
+            <a:extLst>
+              <a:ext uri="{28A0092B-C50C-407E-A947-70E740481C1C}">
+                <a14:useLocalDpi xmlns:a14="http://schemas.microsoft.com/office/drawing/2010/main" val="0"/>
+              </a:ext>
+            </a:extLst>
+          </a:blip>
+          <a:srcRect l="14732" t="20279" r="13671" b="39856"/>
+          <a:stretch/>
         </p:blipFill>
-        <p:spPr>
+        <p:spPr bwMode="auto">
           <a:xfrm>
-            <a:off x="8907885" y="756632"/>
-            <a:ext cx="1524003" cy="1524003"/>
+            <a:off x="490194" y="2280635"/>
+            <a:ext cx="4507592" cy="1423449"/>
           </a:xfrm>
           <a:prstGeom prst="rect">
             <a:avLst/>
           </a:prstGeom>
+          <a:noFill/>
+          <a:extLst>
+            <a:ext uri="{909E8E84-426E-40DD-AFC4-6F175D3DCCD1}">
+              <a14:hiddenFill xmlns:a14="http://schemas.microsoft.com/office/drawing/2010/main">
+                <a:solidFill>
+                  <a:srgbClr val="FFFFFF"/>
+                </a:solidFill>
+              </a14:hiddenFill>
+            </a:ext>
+          </a:extLst>
         </p:spPr>
       </p:pic>
     </p:spTree>
